--- a/gooauth/index.pptx
+++ b/gooauth/index.pptx
@@ -9,7 +9,13 @@
     <p:sldId id="415" r:id="rId4"/>
     <p:sldId id="438" r:id="rId5"/>
     <p:sldId id="439" r:id="rId6"/>
-    <p:sldId id="421" r:id="rId7"/>
+    <p:sldId id="441" r:id="rId7"/>
+    <p:sldId id="442" r:id="rId8"/>
+    <p:sldId id="443" r:id="rId9"/>
+    <p:sldId id="446" r:id="rId10"/>
+    <p:sldId id="447" r:id="rId11"/>
+    <p:sldId id="448" r:id="rId12"/>
+    <p:sldId id="421" r:id="rId13"/>
   </p:sldIdLst>
   <p:sldSz cx="12192000" cy="6858000"/>
   <p:notesSz cx="6858000" cy="9144000"/>
@@ -4496,6 +4502,218 @@
 </p:sld>
 </file>
 
+<file path=ppt/slides/slide10.xml><?xml version="1.0" encoding="utf-8"?>
+<p:sld xmlns:a="http://schemas.openxmlformats.org/drawingml/2006/main" xmlns:r="http://schemas.openxmlformats.org/officeDocument/2006/relationships" xmlns:p="http://schemas.openxmlformats.org/presentationml/2006/main">
+  <p:cSld>
+    <p:bg>
+      <p:bgPr>
+        <a:noFill/>
+        <a:effectLst/>
+      </p:bgPr>
+    </p:bg>
+    <p:spTree>
+      <p:nvGrpSpPr>
+        <p:cNvPr id="1" name=""/>
+        <p:cNvGrpSpPr/>
+        <p:nvPr/>
+      </p:nvGrpSpPr>
+      <p:grpSpPr/>
+      <p:sp>
+        <p:nvSpPr>
+          <p:cNvPr id="2" name="标题 1"/>
+          <p:cNvSpPr>
+            <a:spLocks noGrp="1"/>
+          </p:cNvSpPr>
+          <p:nvPr>
+            <p:ph type="title"/>
+          </p:nvPr>
+        </p:nvSpPr>
+        <p:spPr/>
+        <p:txBody>
+          <a:bodyPr/>
+          <a:p>
+            <a:r>
+              <a:rPr lang="zh-CN" altLang="en-US"/>
+              <a:t>看下</a:t>
+            </a:r>
+            <a:r>
+              <a:rPr lang="en-US" altLang="zh-CN">
+                <a:solidFill>
+                  <a:srgbClr val="FF0000"/>
+                </a:solidFill>
+                <a:sym typeface="+mn-ea"/>
+              </a:rPr>
+              <a:t>llaoj/oauth2</a:t>
+            </a:r>
+            <a:r>
+              <a:rPr>
+                <a:solidFill>
+                  <a:schemeClr val="tx1"/>
+                </a:solidFill>
+                <a:sym typeface="+mn-ea"/>
+              </a:rPr>
+              <a:t>项目</a:t>
+            </a:r>
+            <a:endParaRPr>
+              <a:solidFill>
+                <a:schemeClr val="tx1"/>
+              </a:solidFill>
+              <a:sym typeface="+mn-ea"/>
+            </a:endParaRPr>
+          </a:p>
+        </p:txBody>
+      </p:sp>
+      <p:sp>
+        <p:nvSpPr>
+          <p:cNvPr id="3" name="内容占位符 2"/>
+          <p:cNvSpPr>
+            <a:spLocks noGrp="1"/>
+          </p:cNvSpPr>
+          <p:nvPr>
+            <p:ph idx="1"/>
+          </p:nvPr>
+        </p:nvSpPr>
+        <p:spPr/>
+        <p:txBody>
+          <a:bodyPr/>
+          <a:p>
+            <a:r>
+              <a:rPr lang="zh-CN" altLang="en-US"/>
+              <a:t>演示下</a:t>
+            </a:r>
+            <a:r>
+              <a:rPr lang="en-US" altLang="zh-CN"/>
+              <a:t>OAuth2</a:t>
+            </a:r>
+            <a:r>
+              <a:t>的四个流程</a:t>
+            </a:r>
+          </a:p>
+          <a:p>
+            <a:r>
+              <a:t>讲下代码</a:t>
+            </a:r>
+          </a:p>
+          <a:p>
+            <a:pPr lvl="1"/>
+            <a:r>
+              <a:t>怎么写的</a:t>
+            </a:r>
+          </a:p>
+          <a:p>
+            <a:pPr lvl="1"/>
+            <a:r>
+              <a:t>你如何去部署</a:t>
+            </a:r>
+            <a:r>
+              <a:rPr lang="en-US" altLang="zh-CN"/>
+              <a:t>, </a:t>
+            </a:r>
+            <a:r>
+              <a:t>二次开发</a:t>
+            </a:r>
+          </a:p>
+          <a:p>
+            <a:pPr lvl="1"/>
+            <a:r>
+              <a:t>哪些还可以继续去做</a:t>
+            </a:r>
+          </a:p>
+        </p:txBody>
+      </p:sp>
+    </p:spTree>
+    <p:custDataLst>
+      <p:tags r:id="rId1"/>
+    </p:custDataLst>
+  </p:cSld>
+  <p:clrMapOvr>
+    <a:masterClrMapping/>
+  </p:clrMapOvr>
+</p:sld>
+</file>
+
+<file path=ppt/slides/slide11.xml><?xml version="1.0" encoding="utf-8"?>
+<p:sld xmlns:a="http://schemas.openxmlformats.org/drawingml/2006/main" xmlns:r="http://schemas.openxmlformats.org/officeDocument/2006/relationships" xmlns:p="http://schemas.openxmlformats.org/presentationml/2006/main">
+  <p:cSld>
+    <p:bg>
+      <p:bgPr>
+        <a:noFill/>
+        <a:effectLst/>
+      </p:bgPr>
+    </p:bg>
+    <p:spTree>
+      <p:nvGrpSpPr>
+        <p:cNvPr id="1" name=""/>
+        <p:cNvGrpSpPr/>
+        <p:nvPr/>
+      </p:nvGrpSpPr>
+      <p:grpSpPr/>
+      <p:sp>
+        <p:nvSpPr>
+          <p:cNvPr id="2" name="标题 1"/>
+          <p:cNvSpPr>
+            <a:spLocks noGrp="1"/>
+          </p:cNvSpPr>
+          <p:nvPr>
+            <p:ph type="title"/>
+          </p:nvPr>
+        </p:nvSpPr>
+        <p:spPr/>
+        <p:txBody>
+          <a:bodyPr/>
+          <a:p>
+            <a:r>
+              <a:t>参考</a:t>
+            </a:r>
+          </a:p>
+        </p:txBody>
+      </p:sp>
+      <p:sp>
+        <p:nvSpPr>
+          <p:cNvPr id="3" name="内容占位符 2"/>
+          <p:cNvSpPr>
+            <a:spLocks noGrp="1"/>
+          </p:cNvSpPr>
+          <p:nvPr>
+            <p:ph idx="1"/>
+          </p:nvPr>
+        </p:nvSpPr>
+        <p:spPr/>
+        <p:txBody>
+          <a:bodyPr/>
+          <a:p>
+            <a:r>
+              <a:t>官方 </a:t>
+            </a:r>
+            <a:r>
+              <a:rPr lang="en-US" altLang="zh-CN"/>
+              <a:t>https://oauth.net/2/</a:t>
+            </a:r>
+            <a:endParaRPr lang="en-US" altLang="zh-CN"/>
+          </a:p>
+          <a:p>
+            <a:r>
+              <a:t>简书 https://www.jianshu.com/p/8f878e5537da</a:t>
+            </a:r>
+          </a:p>
+          <a:p>
+            <a:r>
+              <a:t>项目仓库 https://github.com/llaoj/oauth2</a:t>
+            </a:r>
+          </a:p>
+        </p:txBody>
+      </p:sp>
+    </p:spTree>
+    <p:custDataLst>
+      <p:tags r:id="rId1"/>
+    </p:custDataLst>
+  </p:cSld>
+  <p:clrMapOvr>
+    <a:masterClrMapping/>
+  </p:clrMapOvr>
+</p:sld>
+</file>
+
 <file path=ppt/slides/slide2.xml><?xml version="1.0" encoding="utf-8"?>
 <p:sld xmlns:a="http://schemas.openxmlformats.org/drawingml/2006/main" xmlns:r="http://schemas.openxmlformats.org/officeDocument/2006/relationships" xmlns:p="http://schemas.openxmlformats.org/presentationml/2006/main">
   <p:cSld>
@@ -4527,7 +4745,10 @@
           <a:bodyPr/>
           <a:p>
             <a:r>
-              <a:t>几个概念</a:t>
+              <a:t>分享</a:t>
+            </a:r>
+            <a:r>
+              <a:t>这些</a:t>
             </a:r>
           </a:p>
         </p:txBody>
@@ -4553,82 +4774,9 @@
             <a:endParaRPr lang="en-US" altLang="zh-CN"/>
           </a:p>
           <a:p>
-            <a:pPr lvl="1"/>
-            <a:r>
-              <a:rPr sz="1200">
-                <a:solidFill>
-                  <a:schemeClr val="tx1"/>
-                </a:solidFill>
-              </a:rPr>
-              <a:t>资源管理方</a:t>
-            </a:r>
-            <a:r>
-              <a:rPr lang="en-US" altLang="zh-CN" sz="1200">
-                <a:solidFill>
-                  <a:schemeClr val="tx1"/>
-                </a:solidFill>
-              </a:rPr>
-              <a:t>(Resource Server</a:t>
-            </a:r>
-            <a:r>
-              <a:rPr lang="en-US" altLang="zh-CN" sz="1200">
-                <a:solidFill>
-                  <a:schemeClr val="tx1"/>
-                </a:solidFill>
-              </a:rPr>
-              <a:t>)</a:t>
-            </a:r>
-            <a:endParaRPr sz="1200">
-              <a:solidFill>
-                <a:schemeClr val="tx1"/>
-              </a:solidFill>
-            </a:endParaRPr>
-          </a:p>
-          <a:p>
-            <a:pPr lvl="1"/>
-            <a:r>
-              <a:rPr sz="1200">
-                <a:solidFill>
-                  <a:schemeClr val="tx1"/>
-                </a:solidFill>
-              </a:rPr>
-              <a:t>资源拥有方</a:t>
-            </a:r>
-            <a:r>
-              <a:rPr lang="en-US" altLang="zh-CN" sz="1200">
-                <a:solidFill>
-                  <a:schemeClr val="tx1"/>
-                </a:solidFill>
-              </a:rPr>
-              <a:t>(Resource Owner</a:t>
-            </a:r>
-            <a:r>
-              <a:rPr lang="en-US" altLang="zh-CN" sz="1200">
-                <a:solidFill>
-                  <a:schemeClr val="tx1"/>
-                </a:solidFill>
-              </a:rPr>
-              <a:t>)</a:t>
-            </a:r>
-            <a:endParaRPr sz="1200">
-              <a:solidFill>
-                <a:schemeClr val="tx1"/>
-              </a:solidFill>
-            </a:endParaRPr>
-          </a:p>
-          <a:p>
-            <a:pPr lvl="1"/>
-            <a:r>
-              <a:rPr sz="1200"/>
-              <a:t>资源</a:t>
-            </a:r>
-            <a:r>
-              <a:rPr sz="1200"/>
-              <a:t>申请方</a:t>
-            </a:r>
-            <a:r>
-              <a:rPr lang="en-US" altLang="zh-CN" sz="1200"/>
-              <a:t>(Client)</a:t>
+            <a:r>
+              <a:rPr lang="en-US" altLang="zh-CN"/>
+              <a:t>go-oauth2</a:t>
             </a:r>
             <a:endParaRPr lang="en-US" altLang="zh-CN"/>
           </a:p>
@@ -4642,9 +4790,38 @@
           <a:p>
             <a:r>
               <a:rPr lang="en-US" altLang="zh-CN"/>
-              <a:t>go-oauth2</a:t>
-            </a:r>
-            <a:endParaRPr lang="en-US" altLang="zh-CN"/>
+              <a:t>https://github.com/</a:t>
+            </a:r>
+            <a:r>
+              <a:rPr lang="en-US" altLang="zh-CN" b="1">
+                <a:solidFill>
+                  <a:srgbClr val="FF0000"/>
+                </a:solidFill>
+              </a:rPr>
+              <a:t>llaoj/oauth2</a:t>
+            </a:r>
+            <a:r>
+              <a:rPr lang="en-US" altLang="zh-CN"/>
+              <a:t> </a:t>
+            </a:r>
+            <a:r>
+              <a:t>项目介绍</a:t>
+            </a:r>
+          </a:p>
+          <a:p>
+            <a:pPr lvl="1"/>
+            <a:r>
+              <a:t>演示使用</a:t>
+            </a:r>
+          </a:p>
+          <a:p>
+            <a:pPr lvl="1"/>
+            <a:r>
+              <a:t>代码分析</a:t>
+            </a:r>
+          </a:p>
+          <a:p>
+            <a:pPr lvl="1"/>
           </a:p>
         </p:txBody>
       </p:sp>
@@ -4668,8 +4845,36 @@
         </p:blipFill>
         <p:spPr>
           <a:xfrm>
-            <a:off x="6988810" y="5078095"/>
-            <a:ext cx="1181100" cy="1171575"/>
+            <a:off x="5212080" y="4323715"/>
+            <a:ext cx="1761490" cy="1747520"/>
+          </a:xfrm>
+          <a:prstGeom prst="rect">
+            <a:avLst/>
+          </a:prstGeom>
+        </p:spPr>
+      </p:pic>
+      <p:pic>
+        <p:nvPicPr>
+          <p:cNvPr id="4" name="图片 3"/>
+          <p:cNvPicPr>
+            <a:picLocks noChangeAspect="1"/>
+          </p:cNvPicPr>
+          <p:nvPr>
+            <p:custDataLst>
+              <p:tags r:id="rId3"/>
+            </p:custDataLst>
+          </p:nvPr>
+        </p:nvPicPr>
+        <p:blipFill>
+          <a:blip r:embed="rId4"/>
+          <a:stretch>
+            <a:fillRect/>
+          </a:stretch>
+        </p:blipFill>
+        <p:spPr>
+          <a:xfrm>
+            <a:off x="7688580" y="4323715"/>
+            <a:ext cx="3107055" cy="1747520"/>
           </a:xfrm>
           <a:prstGeom prst="rect">
             <a:avLst/>
@@ -4678,7 +4883,7 @@
       </p:pic>
     </p:spTree>
     <p:custDataLst>
-      <p:tags r:id="rId3"/>
+      <p:tags r:id="rId5"/>
     </p:custDataLst>
   </p:cSld>
   <p:clrMapOvr>
@@ -4718,43 +4923,118 @@
           <a:bodyPr/>
           <a:p>
             <a:r>
-              <a:t>画个图</a:t>
-            </a:r>
-          </a:p>
-        </p:txBody>
-      </p:sp>
-      <p:pic>
-        <p:nvPicPr>
-          <p:cNvPr id="6" name="内容占位符 5"/>
-          <p:cNvPicPr>
-            <a:picLocks noChangeAspect="1"/>
-          </p:cNvPicPr>
+              <a:rPr lang="en-US" altLang="zh-CN"/>
+              <a:t>OAuth2</a:t>
+            </a:r>
+            <a:r>
+              <a:t>中</a:t>
+            </a:r>
+            <a:r>
+              <a:t>的几个</a:t>
+            </a:r>
+            <a:r>
+              <a:rPr>
+                <a:solidFill>
+                  <a:srgbClr val="FF0000"/>
+                </a:solidFill>
+              </a:rPr>
+              <a:t>方</a:t>
+            </a:r>
+            <a:endParaRPr>
+              <a:solidFill>
+                <a:srgbClr val="FF0000"/>
+              </a:solidFill>
+            </a:endParaRPr>
+          </a:p>
+        </p:txBody>
+      </p:sp>
+      <p:sp>
+        <p:nvSpPr>
+          <p:cNvPr id="3" name="内容占位符 2"/>
+          <p:cNvSpPr/>
           <p:nvPr>
             <p:ph idx="1"/>
-            <p:custDataLst>
-              <p:tags r:id="rId1"/>
-            </p:custDataLst>
-          </p:nvPr>
-        </p:nvPicPr>
-        <p:blipFill>
-          <a:blip r:embed="rId2"/>
-          <a:stretch>
-            <a:fillRect/>
-          </a:stretch>
-        </p:blipFill>
-        <p:spPr>
-          <a:xfrm>
-            <a:off x="2427605" y="1313815"/>
-            <a:ext cx="6852920" cy="4790440"/>
-          </a:xfrm>
-          <a:prstGeom prst="rect">
-            <a:avLst/>
-          </a:prstGeom>
-        </p:spPr>
-      </p:pic>
+          </p:nvPr>
+        </p:nvSpPr>
+        <p:spPr/>
+        <p:txBody>
+          <a:bodyPr/>
+          <a:p>
+            <a:r>
+              <a:rPr lang="zh-CN" altLang="en-US"/>
+              <a:t>先看个例子</a:t>
+            </a:r>
+            <a:endParaRPr lang="zh-CN" altLang="en-US"/>
+          </a:p>
+          <a:p>
+            <a:pPr lvl="1"/>
+            <a:r>
+              <a:rPr lang="zh-CN" altLang="en-US"/>
+              <a:t>https://www.jianshu.com/</a:t>
+            </a:r>
+            <a:endParaRPr lang="zh-CN" altLang="en-US"/>
+          </a:p>
+          <a:p>
+            <a:pPr lvl="0"/>
+            <a:r>
+              <a:rPr lang="zh-CN" altLang="en-US"/>
+              <a:t>分析下</a:t>
+            </a:r>
+            <a:endParaRPr lang="zh-CN" altLang="en-US"/>
+          </a:p>
+          <a:p>
+            <a:pPr lvl="1"/>
+            <a:r>
+              <a:rPr lang="zh-CN" altLang="en-US"/>
+              <a:t>资源拥有方 </a:t>
+            </a:r>
+            <a:r>
+              <a:rPr lang="en-US" altLang="zh-CN"/>
+              <a:t>user</a:t>
+            </a:r>
+            <a:endParaRPr lang="zh-CN" altLang="en-US"/>
+          </a:p>
+          <a:p>
+            <a:pPr lvl="1"/>
+            <a:r>
+              <a:rPr lang="zh-CN" altLang="en-US"/>
+              <a:t>资源方 </a:t>
+            </a:r>
+            <a:endParaRPr lang="zh-CN" altLang="en-US"/>
+          </a:p>
+          <a:p>
+            <a:pPr lvl="1"/>
+            <a:r>
+              <a:rPr lang="zh-CN" altLang="en-US"/>
+              <a:t>资源请求方 </a:t>
+            </a:r>
+            <a:r>
+              <a:rPr lang="en-US" altLang="zh-CN"/>
+              <a:t>client</a:t>
+            </a:r>
+            <a:endParaRPr lang="zh-CN" altLang="en-US"/>
+          </a:p>
+          <a:p>
+            <a:pPr lvl="1"/>
+            <a:r>
+              <a:rPr lang="zh-CN" altLang="en-US"/>
+              <a:t>授权方 </a:t>
+            </a:r>
+            <a:r>
+              <a:rPr lang="en-US" altLang="zh-CN"/>
+              <a:t>oauth2</a:t>
+            </a:r>
+            <a:endParaRPr lang="zh-CN" altLang="en-US"/>
+          </a:p>
+          <a:p>
+            <a:pPr lvl="1"/>
+            <a:endParaRPr lang="zh-CN" altLang="en-US"/>
+          </a:p>
+        </p:txBody>
+      </p:sp>
     </p:spTree>
     <p:custDataLst>
-      <p:tags r:id="rId3"/>
+      <p:tags r:id="rId1"/>
     </p:custDataLst>
   </p:cSld>
   <p:clrMapOvr>
@@ -4789,35 +5069,53 @@
             <p:ph type="title"/>
           </p:nvPr>
         </p:nvSpPr>
-        <p:spPr/>
+        <p:spPr>
+          <a:xfrm>
+            <a:off x="611575" y="608400"/>
+            <a:ext cx="10969200" cy="705600"/>
+          </a:xfrm>
+        </p:spPr>
         <p:txBody>
           <a:bodyPr/>
           <a:p>
-            <a:endParaRPr lang="zh-CN" altLang="en-US"/>
-          </a:p>
-        </p:txBody>
-      </p:sp>
-      <p:sp>
-        <p:nvSpPr>
-          <p:cNvPr id="3" name="内容占位符 2"/>
-          <p:cNvSpPr>
-            <a:spLocks noGrp="1"/>
-          </p:cNvSpPr>
+            <a:r>
+              <a:t>我们看个图</a:t>
+            </a:r>
+          </a:p>
+        </p:txBody>
+      </p:sp>
+      <p:pic>
+        <p:nvPicPr>
+          <p:cNvPr id="6" name="内容占位符 5"/>
+          <p:cNvPicPr>
+            <a:picLocks noChangeAspect="1"/>
+          </p:cNvPicPr>
           <p:nvPr>
             <p:ph idx="1"/>
-          </p:nvPr>
-        </p:nvSpPr>
-        <p:spPr/>
-        <p:txBody>
-          <a:bodyPr/>
-          <a:p>
-            <a:endParaRPr lang="zh-CN" altLang="en-US"/>
-          </a:p>
-        </p:txBody>
-      </p:sp>
+            <p:custDataLst>
+              <p:tags r:id="rId1"/>
+            </p:custDataLst>
+          </p:nvPr>
+        </p:nvPicPr>
+        <p:blipFill>
+          <a:blip r:embed="rId2"/>
+          <a:stretch>
+            <a:fillRect/>
+          </a:stretch>
+        </p:blipFill>
+        <p:spPr>
+          <a:xfrm>
+            <a:off x="1985010" y="1313815"/>
+            <a:ext cx="7832725" cy="5476240"/>
+          </a:xfrm>
+          <a:prstGeom prst="rect">
+            <a:avLst/>
+          </a:prstGeom>
+        </p:spPr>
+      </p:pic>
     </p:spTree>
     <p:custDataLst>
-      <p:tags r:id="rId1"/>
+      <p:tags r:id="rId3"/>
     </p:custDataLst>
   </p:cSld>
   <p:clrMapOvr>
@@ -4857,8 +5155,17 @@
           <a:bodyPr/>
           <a:p>
             <a:r>
-              <a:t>参考</a:t>
-            </a:r>
+              <a:rPr lang="en-US" altLang="zh-CN"/>
+              <a:t>OAuth2</a:t>
+            </a:r>
+            <a:r>
+              <a:t>的四种授权流程</a:t>
+            </a:r>
+            <a:r>
+              <a:rPr lang="en-US" altLang="zh-CN"/>
+              <a:t>(grant_type)</a:t>
+            </a:r>
+            <a:endParaRPr lang="en-US" altLang="zh-CN"/>
           </a:p>
         </p:txBody>
       </p:sp>
@@ -4877,18 +5184,727 @@
           <a:bodyPr/>
           <a:p>
             <a:r>
-              <a:t>官方 </a:t>
+              <a:rPr lang="zh-CN" altLang="en-US"/>
+              <a:t>授权码（authorization_code）</a:t>
+            </a:r>
+            <a:endParaRPr lang="en-US" altLang="zh-CN"/>
+          </a:p>
+          <a:p>
+            <a:pPr lvl="1"/>
+            <a:r>
+              <a:rPr sz="1600">
+                <a:solidFill>
+                  <a:srgbClr val="FF0000"/>
+                </a:solidFill>
+              </a:rPr>
+              <a:t>用户登录授权</a:t>
+            </a:r>
+            <a:r>
+              <a:rPr lang="en-US" altLang="zh-CN" sz="1600"/>
+              <a:t>, </a:t>
+            </a:r>
+            <a:r>
+              <a:rPr sz="1600"/>
+              <a:t>先拿</a:t>
+            </a:r>
+            <a:r>
+              <a:rPr lang="en-US" altLang="zh-CN" sz="1600"/>
+              <a:t>code</a:t>
+            </a:r>
+            <a:endParaRPr lang="en-US" altLang="zh-CN" sz="1600"/>
+          </a:p>
+          <a:p>
+            <a:pPr lvl="1"/>
+            <a:r>
+              <a:rPr lang="zh-CN" altLang="en-US"/>
+              <a:t>用</a:t>
             </a:r>
             <a:r>
               <a:rPr lang="en-US" altLang="zh-CN"/>
-              <a:t>https://oauth.net/2/</a:t>
-            </a:r>
+              <a:t>code</a:t>
+            </a:r>
+            <a:r>
+              <a:t>换</a:t>
+            </a:r>
+            <a:r>
+              <a:rPr lang="en-US" altLang="zh-CN"/>
+              <a:t>token</a:t>
+            </a:r>
+            <a:endParaRPr lang="zh-CN" altLang="en-US"/>
+          </a:p>
+          <a:p>
+            <a:r>
+              <a:rPr lang="zh-CN" altLang="en-US"/>
+              <a:t>隐藏式（implicit）</a:t>
+            </a:r>
+            <a:endParaRPr lang="en-US" altLang="zh-CN"/>
+          </a:p>
+          <a:p>
+            <a:pPr lvl="1"/>
+            <a:r>
+              <a:rPr>
+                <a:solidFill>
+                  <a:srgbClr val="FF0000"/>
+                </a:solidFill>
+                <a:sym typeface="+mn-ea"/>
+              </a:rPr>
+              <a:t>用户登录授权</a:t>
+            </a:r>
+            <a:r>
+              <a:rPr lang="en-US" altLang="zh-CN">
+                <a:sym typeface="+mn-ea"/>
+              </a:rPr>
+              <a:t>, </a:t>
+            </a:r>
+            <a:r>
+              <a:rPr sz="1600"/>
+              <a:t>不拿</a:t>
+            </a:r>
+            <a:r>
+              <a:rPr lang="en-US" altLang="zh-CN" sz="1600"/>
+              <a:t>code</a:t>
+            </a:r>
+            <a:r>
+              <a:rPr sz="1600"/>
+              <a:t>了</a:t>
+            </a:r>
+            <a:r>
+              <a:rPr lang="en-US" altLang="zh-CN" sz="1600"/>
+              <a:t>, </a:t>
+            </a:r>
+            <a:r>
+              <a:rPr sz="1600"/>
+              <a:t>直接拿</a:t>
+            </a:r>
+            <a:r>
+              <a:rPr lang="en-US" altLang="zh-CN" sz="1600"/>
+              <a:t>token</a:t>
+            </a:r>
+            <a:endParaRPr lang="zh-CN" altLang="en-US"/>
+          </a:p>
+          <a:p>
+            <a:r>
+              <a:rPr lang="zh-CN" altLang="en-US"/>
+              <a:t>密码式（password）</a:t>
+            </a:r>
+            <a:endParaRPr lang="en-US" altLang="zh-CN"/>
+          </a:p>
+          <a:p>
+            <a:pPr lvl="1"/>
+            <a:r>
+              <a:rPr sz="1400">
+                <a:solidFill>
+                  <a:schemeClr val="bg1">
+                    <a:lumMod val="75000"/>
+                  </a:schemeClr>
+                </a:solidFill>
+              </a:rPr>
+              <a:t>用户提前给客户端用户名密码</a:t>
+            </a:r>
+            <a:endParaRPr lang="en-US" altLang="zh-CN" sz="1400">
+              <a:solidFill>
+                <a:schemeClr val="bg1">
+                  <a:lumMod val="75000"/>
+                </a:schemeClr>
+              </a:solidFill>
+            </a:endParaRPr>
+          </a:p>
+          <a:p>
+            <a:pPr lvl="1"/>
+            <a:r>
+              <a:rPr>
+                <a:solidFill>
+                  <a:srgbClr val="FF0000"/>
+                </a:solidFill>
+                <a:sym typeface="+mn-ea"/>
+              </a:rPr>
+              <a:t>验证</a:t>
+            </a:r>
+            <a:r>
+              <a:rPr sz="1600">
+                <a:solidFill>
+                  <a:srgbClr val="FF0000"/>
+                </a:solidFill>
+              </a:rPr>
+              <a:t>客户端</a:t>
+            </a:r>
+            <a:r>
+              <a:rPr lang="en-US" altLang="zh-CN" sz="1600"/>
+              <a:t>, </a:t>
+            </a:r>
+            <a:r>
+              <a:rPr sz="1600"/>
+              <a:t>直接用用户名和密码</a:t>
+            </a:r>
+            <a:r>
+              <a:rPr lang="en-US" altLang="zh-CN" sz="1600"/>
+              <a:t>, </a:t>
+            </a:r>
+            <a:r>
+              <a:rPr sz="1600"/>
+              <a:t>拿</a:t>
+            </a:r>
+            <a:r>
+              <a:rPr lang="en-US" altLang="zh-CN" sz="1600"/>
+              <a:t>token</a:t>
+            </a:r>
+            <a:endParaRPr lang="zh-CN" altLang="en-US"/>
+          </a:p>
+          <a:p>
+            <a:r>
+              <a:rPr lang="zh-CN" altLang="en-US"/>
+              <a:t>客户端凭证（client_credentials）</a:t>
+            </a:r>
+            <a:endParaRPr lang="zh-CN" altLang="en-US"/>
+          </a:p>
+          <a:p>
+            <a:pPr lvl="1"/>
+            <a:r>
+              <a:rPr>
+                <a:solidFill>
+                  <a:srgbClr val="FF0000"/>
+                </a:solidFill>
+                <a:sym typeface="+mn-ea"/>
+              </a:rPr>
+              <a:t>验证</a:t>
+            </a:r>
+            <a:r>
+              <a:rPr>
+                <a:solidFill>
+                  <a:srgbClr val="FF0000"/>
+                </a:solidFill>
+                <a:sym typeface="+mn-ea"/>
+              </a:rPr>
+              <a:t>客户端</a:t>
+            </a:r>
+            <a:r>
+              <a:rPr lang="en-US" altLang="zh-CN">
+                <a:sym typeface="+mn-ea"/>
+              </a:rPr>
+              <a:t>, </a:t>
+            </a:r>
+            <a:r>
+              <a:t>直接拿</a:t>
+            </a:r>
+            <a:r>
+              <a:rPr lang="en-US" altLang="zh-CN"/>
+              <a:t>token</a:t>
+            </a:r>
+            <a:endParaRPr lang="en-US" altLang="zh-CN"/>
           </a:p>
         </p:txBody>
       </p:sp>
     </p:spTree>
     <p:custDataLst>
       <p:tags r:id="rId1"/>
+    </p:custDataLst>
+  </p:cSld>
+  <p:clrMapOvr>
+    <a:masterClrMapping/>
+  </p:clrMapOvr>
+</p:sld>
+</file>
+
+<file path=ppt/slides/slide6.xml><?xml version="1.0" encoding="utf-8"?>
+<p:sld xmlns:a="http://schemas.openxmlformats.org/drawingml/2006/main" xmlns:r="http://schemas.openxmlformats.org/officeDocument/2006/relationships" xmlns:p="http://schemas.openxmlformats.org/presentationml/2006/main">
+  <p:cSld>
+    <p:bg>
+      <p:bgPr>
+        <a:noFill/>
+        <a:effectLst/>
+      </p:bgPr>
+    </p:bg>
+    <p:spTree>
+      <p:nvGrpSpPr>
+        <p:cNvPr id="1" name=""/>
+        <p:cNvGrpSpPr/>
+        <p:nvPr/>
+      </p:nvGrpSpPr>
+      <p:grpSpPr/>
+      <p:sp>
+        <p:nvSpPr>
+          <p:cNvPr id="2" name="标题 1"/>
+          <p:cNvSpPr>
+            <a:spLocks noGrp="1"/>
+          </p:cNvSpPr>
+          <p:nvPr>
+            <p:ph type="title"/>
+          </p:nvPr>
+        </p:nvSpPr>
+        <p:spPr/>
+        <p:txBody>
+          <a:bodyPr/>
+          <a:p>
+            <a:r>
+              <a:rPr lang="en-US" altLang="zh-CN">
+                <a:sym typeface="+mn-ea"/>
+              </a:rPr>
+              <a:t>grant_type: </a:t>
+            </a:r>
+            <a:r>
+              <a:rPr>
+                <a:sym typeface="+mn-ea"/>
+              </a:rPr>
+              <a:t>authorization_code</a:t>
+            </a:r>
+            <a:endParaRPr lang="zh-CN" altLang="en-US"/>
+          </a:p>
+        </p:txBody>
+      </p:sp>
+      <p:pic>
+        <p:nvPicPr>
+          <p:cNvPr id="6" name="内容占位符 5"/>
+          <p:cNvPicPr>
+            <a:picLocks noChangeAspect="1"/>
+          </p:cNvPicPr>
+          <p:nvPr>
+            <p:ph idx="1"/>
+          </p:nvPr>
+        </p:nvPicPr>
+        <p:blipFill>
+          <a:blip r:embed="rId1"/>
+          <a:stretch>
+            <a:fillRect/>
+          </a:stretch>
+        </p:blipFill>
+        <p:spPr>
+          <a:xfrm>
+            <a:off x="2282190" y="1726565"/>
+            <a:ext cx="7620000" cy="4286250"/>
+          </a:xfrm>
+          <a:prstGeom prst="rect">
+            <a:avLst/>
+          </a:prstGeom>
+        </p:spPr>
+      </p:pic>
+    </p:spTree>
+    <p:custDataLst>
+      <p:tags r:id="rId2"/>
+    </p:custDataLst>
+  </p:cSld>
+  <p:clrMapOvr>
+    <a:masterClrMapping/>
+  </p:clrMapOvr>
+</p:sld>
+</file>
+
+<file path=ppt/slides/slide7.xml><?xml version="1.0" encoding="utf-8"?>
+<p:sld xmlns:a="http://schemas.openxmlformats.org/drawingml/2006/main" xmlns:r="http://schemas.openxmlformats.org/officeDocument/2006/relationships" xmlns:p="http://schemas.openxmlformats.org/presentationml/2006/main">
+  <p:cSld>
+    <p:bg>
+      <p:bgPr>
+        <a:noFill/>
+        <a:effectLst/>
+      </p:bgPr>
+    </p:bg>
+    <p:spTree>
+      <p:nvGrpSpPr>
+        <p:cNvPr id="1" name=""/>
+        <p:cNvGrpSpPr/>
+        <p:nvPr/>
+      </p:nvGrpSpPr>
+      <p:grpSpPr/>
+      <p:sp>
+        <p:nvSpPr>
+          <p:cNvPr id="2" name="标题 1"/>
+          <p:cNvSpPr>
+            <a:spLocks noGrp="1"/>
+          </p:cNvSpPr>
+          <p:nvPr>
+            <p:ph type="title"/>
+          </p:nvPr>
+        </p:nvSpPr>
+        <p:spPr/>
+        <p:txBody>
+          <a:bodyPr>
+            <a:normAutofit/>
+          </a:bodyPr>
+          <a:p>
+            <a:r>
+              <a:rPr lang="en-US" altLang="zh-CN">
+                <a:sym typeface="+mn-ea"/>
+              </a:rPr>
+              <a:t>grant_type: </a:t>
+            </a:r>
+            <a:r>
+              <a:rPr>
+                <a:sym typeface="+mn-ea"/>
+              </a:rPr>
+              <a:t>其他三种</a:t>
+            </a:r>
+            <a:endParaRPr>
+              <a:sym typeface="+mn-ea"/>
+            </a:endParaRPr>
+          </a:p>
+        </p:txBody>
+      </p:sp>
+      <p:pic>
+        <p:nvPicPr>
+          <p:cNvPr id="4" name="内容占位符 3"/>
+          <p:cNvPicPr>
+            <a:picLocks noChangeAspect="1"/>
+          </p:cNvPicPr>
+          <p:nvPr>
+            <p:ph idx="1"/>
+          </p:nvPr>
+        </p:nvPicPr>
+        <p:blipFill>
+          <a:blip r:embed="rId1"/>
+          <a:stretch>
+            <a:fillRect/>
+          </a:stretch>
+        </p:blipFill>
+        <p:spPr>
+          <a:xfrm>
+            <a:off x="2282190" y="1726565"/>
+            <a:ext cx="7620000" cy="4286250"/>
+          </a:xfrm>
+          <a:prstGeom prst="rect">
+            <a:avLst/>
+          </a:prstGeom>
+        </p:spPr>
+      </p:pic>
+      <p:sp>
+        <p:nvSpPr>
+          <p:cNvPr id="5" name="文本框 4"/>
+          <p:cNvSpPr txBox="1"/>
+          <p:nvPr/>
+        </p:nvSpPr>
+        <p:spPr>
+          <a:xfrm>
+            <a:off x="4806950" y="6012815"/>
+            <a:ext cx="2570480" cy="368300"/>
+          </a:xfrm>
+          <a:prstGeom prst="rect">
+            <a:avLst/>
+          </a:prstGeom>
+          <a:noFill/>
+        </p:spPr>
+        <p:txBody>
+          <a:bodyPr wrap="none" rtlCol="0">
+            <a:spAutoFit/>
+          </a:bodyPr>
+          <a:p>
+            <a:r>
+              <a:rPr lang="zh-CN" altLang="en-US"/>
+              <a:t>拿到</a:t>
+            </a:r>
+            <a:r>
+              <a:rPr lang="en-US" altLang="zh-CN"/>
+              <a:t>token</a:t>
+            </a:r>
+            <a:r>
+              <a:rPr lang="zh-CN" altLang="en-US"/>
+              <a:t>的方式不一样</a:t>
+            </a:r>
+            <a:endParaRPr lang="zh-CN" altLang="en-US"/>
+          </a:p>
+        </p:txBody>
+      </p:sp>
+    </p:spTree>
+    <p:custDataLst>
+      <p:tags r:id="rId2"/>
+    </p:custDataLst>
+  </p:cSld>
+  <p:clrMapOvr>
+    <a:masterClrMapping/>
+  </p:clrMapOvr>
+</p:sld>
+</file>
+
+<file path=ppt/slides/slide8.xml><?xml version="1.0" encoding="utf-8"?>
+<p:sld xmlns:a="http://schemas.openxmlformats.org/drawingml/2006/main" xmlns:r="http://schemas.openxmlformats.org/officeDocument/2006/relationships" xmlns:p="http://schemas.openxmlformats.org/presentationml/2006/main">
+  <p:cSld>
+    <p:bg>
+      <p:bgPr>
+        <a:noFill/>
+        <a:effectLst/>
+      </p:bgPr>
+    </p:bg>
+    <p:spTree>
+      <p:nvGrpSpPr>
+        <p:cNvPr id="1" name=""/>
+        <p:cNvGrpSpPr/>
+        <p:nvPr/>
+      </p:nvGrpSpPr>
+      <p:grpSpPr/>
+      <p:sp>
+        <p:nvSpPr>
+          <p:cNvPr id="2" name="标题 1"/>
+          <p:cNvSpPr>
+            <a:spLocks noGrp="1"/>
+          </p:cNvSpPr>
+          <p:nvPr>
+            <p:ph type="title"/>
+          </p:nvPr>
+        </p:nvSpPr>
+        <p:spPr/>
+        <p:txBody>
+          <a:bodyPr/>
+          <a:p>
+            <a:r>
+              <a:rPr lang="zh-CN" altLang="en-US"/>
+              <a:t>介绍下</a:t>
+            </a:r>
+            <a:r>
+              <a:rPr lang="en-US" altLang="zh-CN"/>
+              <a:t>go-oauth2</a:t>
+            </a:r>
+            <a:endParaRPr lang="en-US" altLang="zh-CN"/>
+          </a:p>
+        </p:txBody>
+      </p:sp>
+      <p:sp>
+        <p:nvSpPr>
+          <p:cNvPr id="3" name="内容占位符 2"/>
+          <p:cNvSpPr>
+            <a:spLocks noGrp="1"/>
+          </p:cNvSpPr>
+          <p:nvPr>
+            <p:ph idx="1"/>
+          </p:nvPr>
+        </p:nvSpPr>
+        <p:spPr/>
+        <p:txBody>
+          <a:bodyPr/>
+          <a:p>
+            <a:r>
+              <a:rPr lang="zh-CN" altLang="en-US"/>
+              <a:t>OAuth 2.0 server library </a:t>
+            </a:r>
+            <a:endParaRPr lang="zh-CN" altLang="en-US"/>
+          </a:p>
+          <a:p>
+            <a:r>
+              <a:rPr lang="zh-CN" altLang="en-US"/>
+              <a:t>文档</a:t>
+            </a:r>
+            <a:endParaRPr lang="zh-CN" altLang="en-US"/>
+          </a:p>
+          <a:p>
+            <a:pPr lvl="1"/>
+            <a:r>
+              <a:rPr lang="zh-CN" altLang="en-US"/>
+              <a:t>https://godoc.org/gopkg.in/oauth2.v3</a:t>
+            </a:r>
+            <a:endParaRPr lang="zh-CN" altLang="en-US"/>
+          </a:p>
+          <a:p>
+            <a:pPr lvl="0"/>
+            <a:r>
+              <a:rPr lang="zh-CN" altLang="en-US"/>
+              <a:t>项目地址</a:t>
+            </a:r>
+            <a:endParaRPr lang="zh-CN" altLang="en-US"/>
+          </a:p>
+          <a:p>
+            <a:pPr lvl="1"/>
+            <a:r>
+              <a:rPr lang="zh-CN" altLang="en-US"/>
+              <a:t>https://github.com/go-oauth2/oauth2</a:t>
+            </a:r>
+            <a:endParaRPr lang="zh-CN" altLang="en-US"/>
+          </a:p>
+        </p:txBody>
+      </p:sp>
+    </p:spTree>
+    <p:custDataLst>
+      <p:tags r:id="rId1"/>
+    </p:custDataLst>
+  </p:cSld>
+  <p:clrMapOvr>
+    <a:masterClrMapping/>
+  </p:clrMapOvr>
+</p:sld>
+</file>
+
+<file path=ppt/slides/slide9.xml><?xml version="1.0" encoding="utf-8"?>
+<p:sld xmlns:a="http://schemas.openxmlformats.org/drawingml/2006/main" xmlns:r="http://schemas.openxmlformats.org/officeDocument/2006/relationships" xmlns:p="http://schemas.openxmlformats.org/presentationml/2006/main">
+  <p:cSld>
+    <p:bg>
+      <p:bgPr>
+        <a:noFill/>
+        <a:effectLst/>
+      </p:bgPr>
+    </p:bg>
+    <p:spTree>
+      <p:nvGrpSpPr>
+        <p:cNvPr id="1" name=""/>
+        <p:cNvGrpSpPr/>
+        <p:nvPr/>
+      </p:nvGrpSpPr>
+      <p:grpSpPr/>
+      <p:sp>
+        <p:nvSpPr>
+          <p:cNvPr id="2" name="标题 1"/>
+          <p:cNvSpPr>
+            <a:spLocks noGrp="1"/>
+          </p:cNvSpPr>
+          <p:nvPr>
+            <p:ph type="title"/>
+          </p:nvPr>
+        </p:nvSpPr>
+        <p:spPr/>
+        <p:txBody>
+          <a:bodyPr>
+            <a:normAutofit/>
+          </a:bodyPr>
+          <a:p>
+            <a:r>
+              <a:rPr lang="en-US" altLang="zh-CN">
+                <a:sym typeface="+mn-ea"/>
+              </a:rPr>
+              <a:t>SSO: </a:t>
+            </a:r>
+            <a:r>
+              <a:rPr>
+                <a:sym typeface="+mn-ea"/>
+              </a:rPr>
+              <a:t>简单来说</a:t>
+            </a:r>
+            <a:endParaRPr>
+              <a:sym typeface="+mn-ea"/>
+            </a:endParaRPr>
+          </a:p>
+        </p:txBody>
+      </p:sp>
+      <p:sp>
+        <p:nvSpPr>
+          <p:cNvPr id="3" name="内容占位符 2"/>
+          <p:cNvSpPr>
+            <a:spLocks noGrp="1"/>
+          </p:cNvSpPr>
+          <p:nvPr>
+            <p:ph idx="1"/>
+          </p:nvPr>
+        </p:nvSpPr>
+        <p:spPr/>
+        <p:txBody>
+          <a:bodyPr/>
+          <a:p>
+            <a:r>
+              <a:rPr>
+                <a:sym typeface="+mn-ea"/>
+              </a:rPr>
+              <a:t>分离出一个服务去维护一个统一的会话</a:t>
+            </a:r>
+            <a:r>
+              <a:rPr lang="en-US" altLang="zh-CN">
+                <a:sym typeface="+mn-ea"/>
+              </a:rPr>
+              <a:t>,</a:t>
+            </a:r>
+            <a:endParaRPr lang="en-US" altLang="zh-CN">
+              <a:sym typeface="+mn-ea"/>
+            </a:endParaRPr>
+          </a:p>
+          <a:p>
+            <a:pPr marL="0" indent="0">
+              <a:buNone/>
+            </a:pPr>
+            <a:r>
+              <a:rPr>
+                <a:sym typeface="+mn-ea"/>
+              </a:rPr>
+              <a:t>大家共享</a:t>
+            </a:r>
+            <a:endParaRPr>
+              <a:sym typeface="+mn-ea"/>
+            </a:endParaRPr>
+          </a:p>
+          <a:p>
+            <a:endParaRPr lang="zh-CN" altLang="en-US">
+              <a:sym typeface="+mn-ea"/>
+            </a:endParaRPr>
+          </a:p>
+          <a:p>
+            <a:r>
+              <a:rPr>
+                <a:sym typeface="+mn-ea"/>
+              </a:rPr>
+              <a:t>恰好</a:t>
+            </a:r>
+            <a:r>
+              <a:rPr lang="en-US" altLang="zh-CN">
+                <a:sym typeface="+mn-ea"/>
+              </a:rPr>
+              <a:t>, OAuth2</a:t>
+            </a:r>
+            <a:r>
+              <a:rPr>
+                <a:sym typeface="+mn-ea"/>
+              </a:rPr>
+              <a:t>的</a:t>
+            </a:r>
+            <a:r>
+              <a:rPr b="1">
+                <a:solidFill>
+                  <a:srgbClr val="FF0000"/>
+                </a:solidFill>
+                <a:sym typeface="+mn-ea"/>
+              </a:rPr>
+              <a:t>authorization_code</a:t>
+            </a:r>
+            <a:r>
+              <a:rPr>
+                <a:sym typeface="+mn-ea"/>
+              </a:rPr>
+              <a:t>流程</a:t>
+            </a:r>
+            <a:endParaRPr>
+              <a:sym typeface="+mn-ea"/>
+            </a:endParaRPr>
+          </a:p>
+          <a:p>
+            <a:pPr marL="0" indent="0">
+              <a:buNone/>
+            </a:pPr>
+            <a:r>
+              <a:rPr>
+                <a:sym typeface="+mn-ea"/>
+              </a:rPr>
+              <a:t>能帮我们实现</a:t>
+            </a:r>
+            <a:r>
+              <a:rPr lang="en-US" altLang="zh-CN">
+                <a:sym typeface="+mn-ea"/>
+              </a:rPr>
+              <a:t>SSO</a:t>
+            </a:r>
+            <a:endParaRPr lang="zh-CN" altLang="en-US"/>
+          </a:p>
+          <a:p>
+            <a:endParaRPr lang="zh-CN" altLang="en-US"/>
+          </a:p>
+        </p:txBody>
+      </p:sp>
+      <p:pic>
+        <p:nvPicPr>
+          <p:cNvPr id="4" name="内容占位符 3"/>
+          <p:cNvPicPr>
+            <a:picLocks noChangeAspect="1"/>
+          </p:cNvPicPr>
+          <p:nvPr/>
+        </p:nvPicPr>
+        <p:blipFill>
+          <a:blip r:embed="rId1"/>
+          <a:stretch>
+            <a:fillRect/>
+          </a:stretch>
+        </p:blipFill>
+        <p:spPr>
+          <a:xfrm>
+            <a:off x="5850255" y="1561465"/>
+            <a:ext cx="5621655" cy="4617085"/>
+          </a:xfrm>
+          <a:prstGeom prst="rect">
+            <a:avLst/>
+          </a:prstGeom>
+        </p:spPr>
+      </p:pic>
+    </p:spTree>
+    <p:custDataLst>
+      <p:tags r:id="rId2"/>
     </p:custDataLst>
   </p:cSld>
   <p:clrMapOvr>
@@ -5744,15 +6760,15 @@
 
 <file path=ppt/tags/tag67.xml><?xml version="1.0" encoding="utf-8"?>
 <p:tagLst xmlns:p="http://schemas.openxmlformats.org/presentationml/2006/main">
+  <p:tag name="KSO_WM_UNIT_PLACING_PICTURE_USER_VIEWPORT" val="{&quot;height&quot;:6915,&quot;width&quot;:12300}"/>
+</p:tagLst>
+</file>
+
+<file path=ppt/tags/tag68.xml><?xml version="1.0" encoding="utf-8"?>
+<p:tagLst xmlns:p="http://schemas.openxmlformats.org/presentationml/2006/main">
   <p:tag name="KSO_WM_BEAUTIFY_FLAG" val="#wm#"/>
   <p:tag name="KSO_WM_TEMPLATE_CATEGORY" val="custom"/>
   <p:tag name="KSO_WM_TEMPLATE_INDEX" val="20205176"/>
-</p:tagLst>
-</file>
-
-<file path=ppt/tags/tag68.xml><?xml version="1.0" encoding="utf-8"?>
-<p:tagLst xmlns:p="http://schemas.openxmlformats.org/presentationml/2006/main">
-  <p:tag name="KSO_WM_UNIT_PLACING_PICTURE_USER_VIEWPORT" val="{&quot;height&quot;:4635,&quot;width&quot;:6630}"/>
 </p:tagLst>
 </file>
 
@@ -5779,13 +6795,67 @@
 
 <file path=ppt/tags/tag70.xml><?xml version="1.0" encoding="utf-8"?>
 <p:tagLst xmlns:p="http://schemas.openxmlformats.org/presentationml/2006/main">
+  <p:tag name="KSO_WM_UNIT_PLACING_PICTURE_USER_VIEWPORT" val="{&quot;height&quot;:4635,&quot;width&quot;:6630}"/>
+</p:tagLst>
+</file>
+
+<file path=ppt/tags/tag71.xml><?xml version="1.0" encoding="utf-8"?>
+<p:tagLst xmlns:p="http://schemas.openxmlformats.org/presentationml/2006/main">
   <p:tag name="KSO_WM_BEAUTIFY_FLAG" val="#wm#"/>
   <p:tag name="KSO_WM_TEMPLATE_CATEGORY" val="custom"/>
   <p:tag name="KSO_WM_TEMPLATE_INDEX" val="20205176"/>
 </p:tagLst>
 </file>
 
-<file path=ppt/tags/tag71.xml><?xml version="1.0" encoding="utf-8"?>
+<file path=ppt/tags/tag72.xml><?xml version="1.0" encoding="utf-8"?>
+<p:tagLst xmlns:p="http://schemas.openxmlformats.org/presentationml/2006/main">
+  <p:tag name="KSO_WM_BEAUTIFY_FLAG" val="#wm#"/>
+  <p:tag name="KSO_WM_TEMPLATE_CATEGORY" val="custom"/>
+  <p:tag name="KSO_WM_TEMPLATE_INDEX" val="20205176"/>
+</p:tagLst>
+</file>
+
+<file path=ppt/tags/tag73.xml><?xml version="1.0" encoding="utf-8"?>
+<p:tagLst xmlns:p="http://schemas.openxmlformats.org/presentationml/2006/main">
+  <p:tag name="KSO_WM_BEAUTIFY_FLAG" val="#wm#"/>
+  <p:tag name="KSO_WM_TEMPLATE_CATEGORY" val="custom"/>
+  <p:tag name="KSO_WM_TEMPLATE_INDEX" val="20205176"/>
+</p:tagLst>
+</file>
+
+<file path=ppt/tags/tag74.xml><?xml version="1.0" encoding="utf-8"?>
+<p:tagLst xmlns:p="http://schemas.openxmlformats.org/presentationml/2006/main">
+  <p:tag name="KSO_WM_BEAUTIFY_FLAG" val="#wm#"/>
+  <p:tag name="KSO_WM_TEMPLATE_CATEGORY" val="custom"/>
+  <p:tag name="KSO_WM_TEMPLATE_INDEX" val="20205176"/>
+</p:tagLst>
+</file>
+
+<file path=ppt/tags/tag75.xml><?xml version="1.0" encoding="utf-8"?>
+<p:tagLst xmlns:p="http://schemas.openxmlformats.org/presentationml/2006/main">
+  <p:tag name="KSO_WM_BEAUTIFY_FLAG" val="#wm#"/>
+  <p:tag name="KSO_WM_TEMPLATE_CATEGORY" val="custom"/>
+  <p:tag name="KSO_WM_TEMPLATE_INDEX" val="20205176"/>
+</p:tagLst>
+</file>
+
+<file path=ppt/tags/tag76.xml><?xml version="1.0" encoding="utf-8"?>
+<p:tagLst xmlns:p="http://schemas.openxmlformats.org/presentationml/2006/main">
+  <p:tag name="KSO_WM_BEAUTIFY_FLAG" val="#wm#"/>
+  <p:tag name="KSO_WM_TEMPLATE_CATEGORY" val="custom"/>
+  <p:tag name="KSO_WM_TEMPLATE_INDEX" val="20205176"/>
+</p:tagLst>
+</file>
+
+<file path=ppt/tags/tag77.xml><?xml version="1.0" encoding="utf-8"?>
+<p:tagLst xmlns:p="http://schemas.openxmlformats.org/presentationml/2006/main">
+  <p:tag name="KSO_WM_BEAUTIFY_FLAG" val="#wm#"/>
+  <p:tag name="KSO_WM_TEMPLATE_CATEGORY" val="custom"/>
+  <p:tag name="KSO_WM_TEMPLATE_INDEX" val="20205176"/>
+</p:tagLst>
+</file>
+
+<file path=ppt/tags/tag78.xml><?xml version="1.0" encoding="utf-8"?>
 <p:tagLst xmlns:p="http://schemas.openxmlformats.org/presentationml/2006/main">
   <p:tag name="KSO_WM_BEAUTIFY_FLAG" val="#wm#"/>
   <p:tag name="KSO_WM_TEMPLATE_CATEGORY" val="custom"/>

--- a/gooauth/index.pptx
+++ b/gooauth/index.pptx
@@ -4927,10 +4927,14 @@
               <a:t>OAuth2</a:t>
             </a:r>
             <a:r>
-              <a:t>中</a:t>
-            </a:r>
-            <a:r>
-              <a:t>的几个</a:t>
+              <a:t>中的</a:t>
+            </a:r>
+            <a:r>
+              <a:rPr lang="en-US" altLang="zh-CN"/>
+              <a:t>4</a:t>
+            </a:r>
+            <a:r>
+              <a:t>个</a:t>
             </a:r>
             <a:r>
               <a:rPr>
@@ -5017,18 +5021,34 @@
           <a:p>
             <a:pPr lvl="1"/>
             <a:r>
-              <a:rPr lang="zh-CN" altLang="en-US"/>
+              <a:rPr lang="zh-CN" altLang="en-US" b="1">
+                <a:solidFill>
+                  <a:srgbClr val="FF0000"/>
+                </a:solidFill>
+              </a:rPr>
               <a:t>授权方 </a:t>
             </a:r>
             <a:r>
-              <a:rPr lang="en-US" altLang="zh-CN"/>
+              <a:rPr lang="en-US" altLang="zh-CN" b="1">
+                <a:solidFill>
+                  <a:srgbClr val="FF0000"/>
+                </a:solidFill>
+              </a:rPr>
               <a:t>oauth2</a:t>
             </a:r>
-            <a:endParaRPr lang="zh-CN" altLang="en-US"/>
+            <a:endParaRPr lang="zh-CN" altLang="en-US" b="1">
+              <a:solidFill>
+                <a:srgbClr val="FF0000"/>
+              </a:solidFill>
+            </a:endParaRPr>
           </a:p>
           <a:p>
             <a:pPr lvl="1"/>
-            <a:endParaRPr lang="zh-CN" altLang="en-US"/>
+            <a:endParaRPr lang="zh-CN" altLang="en-US" b="1">
+              <a:solidFill>
+                <a:srgbClr val="FF0000"/>
+              </a:solidFill>
+            </a:endParaRPr>
           </a:p>
         </p:txBody>
       </p:sp>
@@ -5079,7 +5099,13 @@
           <a:bodyPr/>
           <a:p>
             <a:r>
-              <a:t>我们看个图</a:t>
+              <a:t>看</a:t>
+            </a:r>
+            <a:r>
+              <a:t>这个关系</a:t>
+            </a:r>
+            <a:r>
+              <a:t>图</a:t>
             </a:r>
           </a:p>
         </p:txBody>
@@ -5105,8 +5131,8 @@
         </p:blipFill>
         <p:spPr>
           <a:xfrm>
-            <a:off x="1985010" y="1313815"/>
-            <a:ext cx="7832725" cy="5476240"/>
+            <a:off x="2442845" y="1313815"/>
+            <a:ext cx="7305675" cy="5107940"/>
           </a:xfrm>
           <a:prstGeom prst="rect">
             <a:avLst/>
@@ -5894,7 +5920,7 @@
         </p:blipFill>
         <p:spPr>
           <a:xfrm>
-            <a:off x="5850255" y="1561465"/>
+            <a:off x="6026785" y="1561465"/>
             <a:ext cx="5621655" cy="4617085"/>
           </a:xfrm>
           <a:prstGeom prst="rect">

--- a/gooauth/index.pptx
+++ b/gooauth/index.pptx
@@ -4443,7 +4443,12 @@
             </p:custDataLst>
           </p:nvPr>
         </p:nvSpPr>
-        <p:spPr/>
+        <p:spPr>
+          <a:xfrm>
+            <a:off x="1198800" y="1381125"/>
+            <a:ext cx="9799200" cy="2570400"/>
+          </a:xfrm>
+        </p:spPr>
         <p:txBody>
           <a:bodyPr anchor="ctr" anchorCtr="0">
             <a:noAutofit/>
@@ -4475,10 +4480,16 @@
             </p:custDataLst>
           </p:nvPr>
         </p:nvSpPr>
-        <p:spPr/>
+        <p:spPr>
+          <a:xfrm>
+            <a:off x="1198800" y="4027125"/>
+            <a:ext cx="9799200" cy="1472400"/>
+          </a:xfrm>
+        </p:spPr>
         <p:txBody>
           <a:bodyPr/>
           <a:p>
+            <a:pPr fontAlgn="ctr"/>
             <a:r>
               <a:rPr lang="en-US" altLang="zh-CN"/>
               <a:t>by llaoj </a:t>
@@ -4491,9 +4502,92 @@
           </a:p>
         </p:txBody>
       </p:sp>
+      <p:pic>
+        <p:nvPicPr>
+          <p:cNvPr id="4" name="图片 3"/>
+          <p:cNvPicPr>
+            <a:picLocks noChangeAspect="1"/>
+          </p:cNvPicPr>
+          <p:nvPr>
+            <p:custDataLst>
+              <p:tags r:id="rId3"/>
+            </p:custDataLst>
+          </p:nvPr>
+        </p:nvPicPr>
+        <p:blipFill>
+          <a:blip r:embed="rId4"/>
+          <a:stretch>
+            <a:fillRect/>
+          </a:stretch>
+        </p:blipFill>
+        <p:spPr>
+          <a:xfrm>
+            <a:off x="6073775" y="4744720"/>
+            <a:ext cx="1670685" cy="939800"/>
+          </a:xfrm>
+          <a:prstGeom prst="rect">
+            <a:avLst/>
+          </a:prstGeom>
+        </p:spPr>
+      </p:pic>
+      <p:pic>
+        <p:nvPicPr>
+          <p:cNvPr id="8" name="图片 7"/>
+          <p:cNvPicPr>
+            <a:picLocks noChangeAspect="1"/>
+          </p:cNvPicPr>
+          <p:nvPr>
+            <p:custDataLst>
+              <p:tags r:id="rId5"/>
+            </p:custDataLst>
+          </p:nvPr>
+        </p:nvPicPr>
+        <p:blipFill>
+          <a:blip r:embed="rId6"/>
+          <a:stretch>
+            <a:fillRect/>
+          </a:stretch>
+        </p:blipFill>
+        <p:spPr>
+          <a:xfrm>
+            <a:off x="4450080" y="4752975"/>
+            <a:ext cx="938530" cy="931545"/>
+          </a:xfrm>
+          <a:prstGeom prst="rect">
+            <a:avLst/>
+          </a:prstGeom>
+        </p:spPr>
+      </p:pic>
+      <p:pic>
+        <p:nvPicPr>
+          <p:cNvPr id="9" name="图片 8"/>
+          <p:cNvPicPr>
+            <a:picLocks noChangeAspect="1"/>
+          </p:cNvPicPr>
+          <p:nvPr/>
+        </p:nvPicPr>
+        <p:blipFill>
+          <a:blip r:embed="rId7"/>
+          <a:stretch>
+            <a:fillRect/>
+          </a:stretch>
+        </p:blipFill>
+        <p:spPr>
+          <a:xfrm>
+            <a:off x="5388610" y="4752975"/>
+            <a:ext cx="684530" cy="931545"/>
+          </a:xfrm>
+          <a:prstGeom prst="rect">
+            <a:avLst/>
+          </a:prstGeom>
+          <a:ln w="3175">
+            <a:noFill/>
+          </a:ln>
+        </p:spPr>
+      </p:pic>
     </p:spTree>
     <p:custDataLst>
-      <p:tags r:id="rId3"/>
+      <p:tags r:id="rId8"/>
     </p:custDataLst>
   </p:cSld>
   <p:clrMapOvr>
@@ -6759,6 +6853,18 @@
 
 <file path=ppt/tags/tag65.xml><?xml version="1.0" encoding="utf-8"?>
 <p:tagLst xmlns:p="http://schemas.openxmlformats.org/presentationml/2006/main">
+  <p:tag name="KSO_WM_UNIT_PLACING_PICTURE_USER_VIEWPORT" val="{&quot;height&quot;:6915,&quot;width&quot;:12300}"/>
+</p:tagLst>
+</file>
+
+<file path=ppt/tags/tag66.xml><?xml version="1.0" encoding="utf-8"?>
+<p:tagLst xmlns:p="http://schemas.openxmlformats.org/presentationml/2006/main">
+  <p:tag name="KSO_WM_UNIT_PLACING_PICTURE_USER_VIEWPORT" val="{&quot;height&quot;:1845,&quot;width&quot;:1860}"/>
+</p:tagLst>
+</file>
+
+<file path=ppt/tags/tag67.xml><?xml version="1.0" encoding="utf-8"?>
+<p:tagLst xmlns:p="http://schemas.openxmlformats.org/presentationml/2006/main">
   <p:tag name="KSO_WM_SLIDE_ID" val="custom20205176_1"/>
   <p:tag name="KSO_WM_TEMPLATE_SUBCATEGORY" val="19"/>
   <p:tag name="KSO_WM_TEMPLATE_MASTER_TYPE" val="0"/>
@@ -6778,31 +6884,15 @@
 </p:tagLst>
 </file>
 
-<file path=ppt/tags/tag66.xml><?xml version="1.0" encoding="utf-8"?>
+<file path=ppt/tags/tag68.xml><?xml version="1.0" encoding="utf-8"?>
 <p:tagLst xmlns:p="http://schemas.openxmlformats.org/presentationml/2006/main">
   <p:tag name="KSO_WM_UNIT_PLACING_PICTURE_USER_VIEWPORT" val="{&quot;height&quot;:1845,&quot;width&quot;:1860}"/>
 </p:tagLst>
 </file>
 
-<file path=ppt/tags/tag67.xml><?xml version="1.0" encoding="utf-8"?>
+<file path=ppt/tags/tag69.xml><?xml version="1.0" encoding="utf-8"?>
 <p:tagLst xmlns:p="http://schemas.openxmlformats.org/presentationml/2006/main">
   <p:tag name="KSO_WM_UNIT_PLACING_PICTURE_USER_VIEWPORT" val="{&quot;height&quot;:6915,&quot;width&quot;:12300}"/>
-</p:tagLst>
-</file>
-
-<file path=ppt/tags/tag68.xml><?xml version="1.0" encoding="utf-8"?>
-<p:tagLst xmlns:p="http://schemas.openxmlformats.org/presentationml/2006/main">
-  <p:tag name="KSO_WM_BEAUTIFY_FLAG" val="#wm#"/>
-  <p:tag name="KSO_WM_TEMPLATE_CATEGORY" val="custom"/>
-  <p:tag name="KSO_WM_TEMPLATE_INDEX" val="20205176"/>
-</p:tagLst>
-</file>
-
-<file path=ppt/tags/tag69.xml><?xml version="1.0" encoding="utf-8"?>
-<p:tagLst xmlns:p="http://schemas.openxmlformats.org/presentationml/2006/main">
-  <p:tag name="KSO_WM_BEAUTIFY_FLAG" val="#wm#"/>
-  <p:tag name="KSO_WM_TEMPLATE_CATEGORY" val="custom"/>
-  <p:tag name="KSO_WM_TEMPLATE_INDEX" val="20205176"/>
 </p:tagLst>
 </file>
 
@@ -6821,19 +6911,13 @@
 
 <file path=ppt/tags/tag70.xml><?xml version="1.0" encoding="utf-8"?>
 <p:tagLst xmlns:p="http://schemas.openxmlformats.org/presentationml/2006/main">
-  <p:tag name="KSO_WM_UNIT_PLACING_PICTURE_USER_VIEWPORT" val="{&quot;height&quot;:4635,&quot;width&quot;:6630}"/>
-</p:tagLst>
-</file>
-
-<file path=ppt/tags/tag71.xml><?xml version="1.0" encoding="utf-8"?>
-<p:tagLst xmlns:p="http://schemas.openxmlformats.org/presentationml/2006/main">
   <p:tag name="KSO_WM_BEAUTIFY_FLAG" val="#wm#"/>
   <p:tag name="KSO_WM_TEMPLATE_CATEGORY" val="custom"/>
   <p:tag name="KSO_WM_TEMPLATE_INDEX" val="20205176"/>
 </p:tagLst>
 </file>
 
-<file path=ppt/tags/tag72.xml><?xml version="1.0" encoding="utf-8"?>
+<file path=ppt/tags/tag71.xml><?xml version="1.0" encoding="utf-8"?>
 <p:tagLst xmlns:p="http://schemas.openxmlformats.org/presentationml/2006/main">
   <p:tag name="KSO_WM_BEAUTIFY_FLAG" val="#wm#"/>
   <p:tag name="KSO_WM_TEMPLATE_CATEGORY" val="custom"/>
@@ -6841,6 +6925,12 @@
 </p:tagLst>
 </file>
 
+<file path=ppt/tags/tag72.xml><?xml version="1.0" encoding="utf-8"?>
+<p:tagLst xmlns:p="http://schemas.openxmlformats.org/presentationml/2006/main">
+  <p:tag name="KSO_WM_UNIT_PLACING_PICTURE_USER_VIEWPORT" val="{&quot;height&quot;:4635,&quot;width&quot;:6630}"/>
+</p:tagLst>
+</file>
+
 <file path=ppt/tags/tag73.xml><?xml version="1.0" encoding="utf-8"?>
 <p:tagLst xmlns:p="http://schemas.openxmlformats.org/presentationml/2006/main">
   <p:tag name="KSO_WM_BEAUTIFY_FLAG" val="#wm#"/>
@@ -6882,6 +6972,14 @@
 </file>
 
 <file path=ppt/tags/tag78.xml><?xml version="1.0" encoding="utf-8"?>
+<p:tagLst xmlns:p="http://schemas.openxmlformats.org/presentationml/2006/main">
+  <p:tag name="KSO_WM_BEAUTIFY_FLAG" val="#wm#"/>
+  <p:tag name="KSO_WM_TEMPLATE_CATEGORY" val="custom"/>
+  <p:tag name="KSO_WM_TEMPLATE_INDEX" val="20205176"/>
+</p:tagLst>
+</file>
+
+<file path=ppt/tags/tag79.xml><?xml version="1.0" encoding="utf-8"?>
 <p:tagLst xmlns:p="http://schemas.openxmlformats.org/presentationml/2006/main">
   <p:tag name="KSO_WM_BEAUTIFY_FLAG" val="#wm#"/>
   <p:tag name="KSO_WM_TEMPLATE_CATEGORY" val="custom"/>
@@ -6899,6 +6997,14 @@
   <p:tag name="KSO_WM_UNIT_LAYERLEVEL" val="1"/>
   <p:tag name="KSO_WM_TAG_VERSION" val="1.0"/>
   <p:tag name="KSO_WM_BEAUTIFY_FLAG" val="#wm#"/>
+</p:tagLst>
+</file>
+
+<file path=ppt/tags/tag80.xml><?xml version="1.0" encoding="utf-8"?>
+<p:tagLst xmlns:p="http://schemas.openxmlformats.org/presentationml/2006/main">
+  <p:tag name="KSO_WM_BEAUTIFY_FLAG" val="#wm#"/>
+  <p:tag name="KSO_WM_TEMPLATE_CATEGORY" val="custom"/>
+  <p:tag name="KSO_WM_TEMPLATE_INDEX" val="20205176"/>
 </p:tagLst>
 </file>
 
